--- a/Week06_Responsive/Lesson 11/Intro to Responsive.pptx
+++ b/Week06_Responsive/Lesson 11/Intro to Responsive.pptx
@@ -7,14 +7,15 @@
   <p:sldIdLst>
     <p:sldId id="256" r:id="rId2"/>
     <p:sldId id="257" r:id="rId3"/>
-    <p:sldId id="258" r:id="rId4"/>
-    <p:sldId id="259" r:id="rId5"/>
-    <p:sldId id="260" r:id="rId6"/>
-    <p:sldId id="261" r:id="rId7"/>
-    <p:sldId id="262" r:id="rId8"/>
-    <p:sldId id="263" r:id="rId9"/>
-    <p:sldId id="264" r:id="rId10"/>
-    <p:sldId id="265" r:id="rId11"/>
+    <p:sldId id="266" r:id="rId4"/>
+    <p:sldId id="258" r:id="rId5"/>
+    <p:sldId id="259" r:id="rId6"/>
+    <p:sldId id="260" r:id="rId7"/>
+    <p:sldId id="261" r:id="rId8"/>
+    <p:sldId id="262" r:id="rId9"/>
+    <p:sldId id="263" r:id="rId10"/>
+    <p:sldId id="264" r:id="rId11"/>
+    <p:sldId id="265" r:id="rId12"/>
   </p:sldIdLst>
   <p:sldSz cx="9144000" cy="6858000" type="screen4x3"/>
   <p:notesSz cx="6858000" cy="9144000"/>
@@ -3178,6 +3179,90 @@
       </p:grpSpPr>
       <p:sp>
         <p:nvSpPr>
+          <p:cNvPr id="4" name="Title 3"/>
+          <p:cNvSpPr>
+            <a:spLocks noGrp="1"/>
+          </p:cNvSpPr>
+          <p:nvPr>
+            <p:ph type="ctrTitle"/>
+          </p:nvPr>
+        </p:nvSpPr>
+        <p:spPr/>
+        <p:txBody>
+          <a:bodyPr/>
+          <a:lstStyle/>
+          <a:p>
+            <a:r>
+              <a:rPr lang="en-US" dirty="0" smtClean="0"/>
+              <a:t>Exercise</a:t>
+            </a:r>
+            <a:endParaRPr lang="en-US" dirty="0"/>
+          </a:p>
+        </p:txBody>
+      </p:sp>
+      <p:sp>
+        <p:nvSpPr>
+          <p:cNvPr id="5" name="Subtitle 4"/>
+          <p:cNvSpPr>
+            <a:spLocks noGrp="1"/>
+          </p:cNvSpPr>
+          <p:nvPr>
+            <p:ph type="subTitle" idx="1"/>
+          </p:nvPr>
+        </p:nvSpPr>
+        <p:spPr/>
+        <p:txBody>
+          <a:bodyPr/>
+          <a:lstStyle/>
+          <a:p>
+            <a:r>
+              <a:rPr lang="en-US" dirty="0" err="1" smtClean="0"/>
+              <a:t>Ex_Boxing</a:t>
+            </a:r>
+            <a:r>
+              <a:rPr lang="en-US" dirty="0" smtClean="0"/>
+              <a:t> </a:t>
+            </a:r>
+            <a:r>
+              <a:rPr lang="en-US" smtClean="0"/>
+              <a:t>Media Queries</a:t>
+            </a:r>
+            <a:endParaRPr lang="en-US" dirty="0"/>
+          </a:p>
+        </p:txBody>
+      </p:sp>
+    </p:spTree>
+    <p:extLst>
+      <p:ext uri="{BB962C8B-B14F-4D97-AF65-F5344CB8AC3E}">
+        <p14:creationId xmlns:p14="http://schemas.microsoft.com/office/powerpoint/2010/main" val="1359094194"/>
+      </p:ext>
+    </p:extLst>
+  </p:cSld>
+  <p:clrMapOvr>
+    <a:masterClrMapping/>
+  </p:clrMapOvr>
+</p:sld>
+</file>
+
+<file path=ppt/slides/slide11.xml><?xml version="1.0" encoding="utf-8"?>
+<p:sld xmlns:a="http://schemas.openxmlformats.org/drawingml/2006/main" xmlns:r="http://schemas.openxmlformats.org/officeDocument/2006/relationships" xmlns:p="http://schemas.openxmlformats.org/presentationml/2006/main">
+  <p:cSld>
+    <p:spTree>
+      <p:nvGrpSpPr>
+        <p:cNvPr id="1" name=""/>
+        <p:cNvGrpSpPr/>
+        <p:nvPr/>
+      </p:nvGrpSpPr>
+      <p:grpSpPr>
+        <a:xfrm>
+          <a:off x="0" y="0"/>
+          <a:ext cx="0" cy="0"/>
+          <a:chOff x="0" y="0"/>
+          <a:chExt cx="0" cy="0"/>
+        </a:xfrm>
+      </p:grpSpPr>
+      <p:sp>
+        <p:nvSpPr>
           <p:cNvPr id="2" name="Title 1"/>
           <p:cNvSpPr>
             <a:spLocks noGrp="1"/>
@@ -3193,7 +3278,7 @@
           <a:p>
             <a:r>
               <a:rPr lang="en-US" dirty="0" smtClean="0"/>
-              <a:t>Optional: Grid layout</a:t>
+              <a:t>Optional</a:t>
             </a:r>
             <a:endParaRPr lang="en-US" dirty="0"/>
           </a:p>
@@ -3216,9 +3301,23 @@
           <a:p>
             <a:r>
               <a:rPr lang="en-US" dirty="0" smtClean="0"/>
-              <a:t>See attached slides for grids</a:t>
-            </a:r>
-            <a:endParaRPr lang="en-US" dirty="0"/>
+              <a:t>Grid layouts</a:t>
+            </a:r>
+          </a:p>
+          <a:p>
+            <a:r>
+              <a:rPr lang="en-US" smtClean="0"/>
+              <a:t>Transition</a:t>
+            </a:r>
+            <a:r>
+              <a:rPr lang="en-US" smtClean="0"/>
+              <a:t> </a:t>
+            </a:r>
+            <a:r>
+              <a:rPr lang="en-US" dirty="0" smtClean="0"/>
+              <a:t>(make media query changes smoother)</a:t>
+            </a:r>
+            <a:endParaRPr lang="en-US" dirty="0" smtClean="0"/>
           </a:p>
         </p:txBody>
       </p:sp>
@@ -3376,7 +3475,9 @@
         </p:nvSpPr>
         <p:spPr/>
         <p:txBody>
-          <a:bodyPr/>
+          <a:bodyPr>
+            <a:normAutofit fontScale="92500" lnSpcReduction="10000"/>
+          </a:bodyPr>
           <a:lstStyle/>
           <a:p>
             <a:r>
@@ -3422,40 +3523,30 @@
             <a:pPr lvl="1"/>
             <a:r>
               <a:rPr lang="en-US" dirty="0"/>
-              <a:t>Sized in ems</a:t>
-            </a:r>
-          </a:p>
-          <a:p>
+              <a:t>Sized in </a:t>
+            </a:r>
+            <a:r>
+              <a:rPr lang="en-US" dirty="0" smtClean="0"/>
+              <a:t>ems</a:t>
+            </a:r>
+          </a:p>
+          <a:p>
+            <a:r>
+              <a:rPr lang="en-US" dirty="0" smtClean="0"/>
+              <a:t>More reading</a:t>
+            </a:r>
+          </a:p>
+          <a:p>
+            <a:pPr lvl="1"/>
+            <a:r>
+              <a:rPr lang="en-US" dirty="0">
+                <a:hlinkClick r:id="rId2"/>
+              </a:rPr>
+              <a:t>http://coding.smashingmagazine.com/2009/06/02/fixed-vs-fluid-vs-elastic-layout-whats-the-right-one-for-you/</a:t>
+            </a:r>
             <a:endParaRPr lang="en-US" dirty="0"/>
           </a:p>
-        </p:txBody>
-      </p:sp>
-      <p:sp>
-        <p:nvSpPr>
-          <p:cNvPr id="8" name="TextBox 7"/>
-          <p:cNvSpPr txBox="1"/>
-          <p:nvPr/>
-        </p:nvSpPr>
-        <p:spPr>
-          <a:xfrm>
-            <a:off x="1143000" y="6096000"/>
-            <a:ext cx="6096000" cy="369332"/>
-          </a:xfrm>
-          <a:prstGeom prst="rect">
-            <a:avLst/>
-          </a:prstGeom>
-          <a:noFill/>
-        </p:spPr>
-        <p:txBody>
-          <a:bodyPr wrap="square" rtlCol="0">
-            <a:spAutoFit/>
-          </a:bodyPr>
-          <a:lstStyle/>
-          <a:p>
-            <a:r>
-              <a:rPr lang="en-US" dirty="0" smtClean="0"/>
-              <a:t>Show examples of fluid and fixed layouts</a:t>
-            </a:r>
+          <a:p>
             <a:endParaRPr lang="en-US" dirty="0"/>
           </a:p>
         </p:txBody>
@@ -3492,22 +3583,22 @@
       </p:grpSpPr>
       <p:sp>
         <p:nvSpPr>
-          <p:cNvPr id="7" name="Title 6"/>
-          <p:cNvSpPr>
-            <a:spLocks noGrp="1"/>
-          </p:cNvSpPr>
-          <p:nvPr>
-            <p:ph type="ctrTitle"/>
-          </p:nvPr>
-        </p:nvSpPr>
-        <p:spPr/>
-        <p:txBody>
-          <a:bodyPr/>
-          <a:lstStyle/>
-          <a:p>
-            <a:r>
-              <a:rPr lang="en-US" dirty="0" smtClean="0"/>
-              <a:t>Exercise</a:t>
+          <p:cNvPr id="2" name="Title 1"/>
+          <p:cNvSpPr>
+            <a:spLocks noGrp="1"/>
+          </p:cNvSpPr>
+          <p:nvPr>
+            <p:ph type="title"/>
+          </p:nvPr>
+        </p:nvSpPr>
+        <p:spPr/>
+        <p:txBody>
+          <a:bodyPr/>
+          <a:lstStyle/>
+          <a:p>
+            <a:r>
+              <a:rPr lang="en-US" dirty="0" smtClean="0"/>
+              <a:t>Examples</a:t>
             </a:r>
             <a:endParaRPr lang="en-US" dirty="0"/>
           </a:p>
@@ -3515,22 +3606,174 @@
       </p:sp>
       <p:sp>
         <p:nvSpPr>
-          <p:cNvPr id="8" name="Subtitle 7"/>
-          <p:cNvSpPr>
-            <a:spLocks noGrp="1"/>
-          </p:cNvSpPr>
-          <p:nvPr>
-            <p:ph type="subTitle" idx="1"/>
-          </p:nvPr>
-        </p:nvSpPr>
-        <p:spPr/>
-        <p:txBody>
-          <a:bodyPr/>
-          <a:lstStyle/>
-          <a:p>
-            <a:r>
-              <a:rPr lang="en-US" dirty="0" err="1" smtClean="0"/>
-              <a:t>Ex_Boxing</a:t>
+          <p:cNvPr id="5" name="Text Placeholder 4"/>
+          <p:cNvSpPr>
+            <a:spLocks noGrp="1"/>
+          </p:cNvSpPr>
+          <p:nvPr>
+            <p:ph type="body" idx="1"/>
+          </p:nvPr>
+        </p:nvSpPr>
+        <p:spPr/>
+        <p:txBody>
+          <a:bodyPr/>
+          <a:lstStyle/>
+          <a:p>
+            <a:r>
+              <a:rPr lang="en-US" dirty="0" smtClean="0"/>
+              <a:t>Fixed</a:t>
+            </a:r>
+            <a:endParaRPr lang="en-US" dirty="0"/>
+          </a:p>
+        </p:txBody>
+      </p:sp>
+      <p:sp>
+        <p:nvSpPr>
+          <p:cNvPr id="3" name="Content Placeholder 2"/>
+          <p:cNvSpPr>
+            <a:spLocks noGrp="1"/>
+          </p:cNvSpPr>
+          <p:nvPr>
+            <p:ph sz="half" idx="2"/>
+          </p:nvPr>
+        </p:nvSpPr>
+        <p:spPr/>
+        <p:txBody>
+          <a:bodyPr>
+            <a:normAutofit lnSpcReduction="10000"/>
+          </a:bodyPr>
+          <a:lstStyle/>
+          <a:p>
+            <a:r>
+              <a:rPr lang="en-US" dirty="0" smtClean="0"/>
+              <a:t>Ups.com</a:t>
+            </a:r>
+            <a:endParaRPr lang="en-US" dirty="0" smtClean="0"/>
+          </a:p>
+          <a:p>
+            <a:r>
+              <a:rPr lang="en-US" dirty="0" smtClean="0"/>
+              <a:t>Boston.com*</a:t>
+            </a:r>
+          </a:p>
+          <a:p>
+            <a:r>
+              <a:rPr lang="en-US" dirty="0" smtClean="0"/>
+              <a:t>Google.com*</a:t>
+            </a:r>
+          </a:p>
+          <a:p>
+            <a:r>
+              <a:rPr lang="en-US" dirty="0" smtClean="0"/>
+              <a:t>Getaround.com</a:t>
+            </a:r>
+          </a:p>
+          <a:p>
+            <a:endParaRPr lang="en-US" dirty="0"/>
+          </a:p>
+          <a:p>
+            <a:pPr marL="0" indent="0">
+              <a:buNone/>
+            </a:pPr>
+            <a:endParaRPr lang="en-US" dirty="0" smtClean="0"/>
+          </a:p>
+          <a:p>
+            <a:pPr marL="0" indent="0">
+              <a:buNone/>
+            </a:pPr>
+            <a:endParaRPr lang="en-US" dirty="0"/>
+          </a:p>
+          <a:p>
+            <a:pPr marL="0" indent="0">
+              <a:buNone/>
+            </a:pPr>
+            <a:endParaRPr lang="en-US" dirty="0" smtClean="0"/>
+          </a:p>
+          <a:p>
+            <a:pPr marL="0" indent="0">
+              <a:buNone/>
+            </a:pPr>
+            <a:r>
+              <a:rPr lang="en-US" dirty="0" smtClean="0"/>
+              <a:t>*separate </a:t>
+            </a:r>
+            <a:r>
+              <a:rPr lang="en-US" dirty="0"/>
+              <a:t>mobile </a:t>
+            </a:r>
+            <a:r>
+              <a:rPr lang="en-US" dirty="0" smtClean="0"/>
+              <a:t>page</a:t>
+            </a:r>
+            <a:endParaRPr lang="en-US" dirty="0"/>
+          </a:p>
+          <a:p>
+            <a:pPr marL="0" indent="0">
+              <a:buNone/>
+            </a:pPr>
+            <a:endParaRPr lang="en-US" dirty="0"/>
+          </a:p>
+        </p:txBody>
+      </p:sp>
+      <p:sp>
+        <p:nvSpPr>
+          <p:cNvPr id="6" name="Text Placeholder 5"/>
+          <p:cNvSpPr>
+            <a:spLocks noGrp="1"/>
+          </p:cNvSpPr>
+          <p:nvPr>
+            <p:ph type="body" sz="quarter" idx="3"/>
+          </p:nvPr>
+        </p:nvSpPr>
+        <p:spPr/>
+        <p:txBody>
+          <a:bodyPr/>
+          <a:lstStyle/>
+          <a:p>
+            <a:r>
+              <a:rPr lang="en-US" dirty="0"/>
+              <a:t>Responsive</a:t>
+            </a:r>
+          </a:p>
+        </p:txBody>
+      </p:sp>
+      <p:sp>
+        <p:nvSpPr>
+          <p:cNvPr id="7" name="Content Placeholder 6"/>
+          <p:cNvSpPr>
+            <a:spLocks noGrp="1"/>
+          </p:cNvSpPr>
+          <p:nvPr>
+            <p:ph sz="quarter" idx="4"/>
+          </p:nvPr>
+        </p:nvSpPr>
+        <p:spPr/>
+        <p:txBody>
+          <a:bodyPr/>
+          <a:lstStyle/>
+          <a:p>
+            <a:r>
+              <a:rPr lang="en-US" dirty="0" smtClean="0"/>
+              <a:t>Generalassemb.ly</a:t>
+            </a:r>
+          </a:p>
+          <a:p>
+            <a:r>
+              <a:rPr lang="en-US" dirty="0" smtClean="0"/>
+              <a:t>Dwolla.com</a:t>
+            </a:r>
+          </a:p>
+          <a:p>
+            <a:r>
+              <a:rPr lang="en-US" dirty="0" smtClean="0"/>
+              <a:t>Sweethatclub.com</a:t>
+            </a:r>
+            <a:endParaRPr lang="en-US" dirty="0"/>
+          </a:p>
+          <a:p>
+            <a:r>
+              <a:rPr lang="en-US" dirty="0" smtClean="0"/>
+              <a:t>Relayrides.com</a:t>
             </a:r>
             <a:endParaRPr lang="en-US" dirty="0"/>
           </a:p>
@@ -3539,7 +3782,7 @@
     </p:spTree>
     <p:extLst>
       <p:ext uri="{BB962C8B-B14F-4D97-AF65-F5344CB8AC3E}">
-        <p14:creationId xmlns:p14="http://schemas.microsoft.com/office/powerpoint/2010/main" val="2777180608"/>
+        <p14:creationId xmlns:p14="http://schemas.microsoft.com/office/powerpoint/2010/main" val="2216165333"/>
       </p:ext>
     </p:extLst>
   </p:cSld>
@@ -3568,256 +3811,45 @@
       </p:grpSpPr>
       <p:sp>
         <p:nvSpPr>
-          <p:cNvPr id="2" name="Title 1"/>
-          <p:cNvSpPr>
-            <a:spLocks noGrp="1"/>
-          </p:cNvSpPr>
-          <p:nvPr>
-            <p:ph type="title"/>
-          </p:nvPr>
-        </p:nvSpPr>
-        <p:spPr/>
-        <p:txBody>
-          <a:bodyPr/>
-          <a:lstStyle/>
-          <a:p>
-            <a:r>
-              <a:rPr lang="en-US" dirty="0" smtClean="0"/>
-              <a:t>Ems </a:t>
-            </a:r>
+          <p:cNvPr id="7" name="Title 6"/>
+          <p:cNvSpPr>
+            <a:spLocks noGrp="1"/>
+          </p:cNvSpPr>
+          <p:nvPr>
+            <p:ph type="ctrTitle"/>
+          </p:nvPr>
+        </p:nvSpPr>
+        <p:spPr/>
+        <p:txBody>
+          <a:bodyPr/>
+          <a:lstStyle/>
+          <a:p>
+            <a:r>
+              <a:rPr lang="en-US" dirty="0" smtClean="0"/>
+              <a:t>Exercise</a:t>
+            </a:r>
+            <a:endParaRPr lang="en-US" dirty="0"/>
+          </a:p>
+        </p:txBody>
+      </p:sp>
+      <p:sp>
+        <p:nvSpPr>
+          <p:cNvPr id="8" name="Subtitle 7"/>
+          <p:cNvSpPr>
+            <a:spLocks noGrp="1"/>
+          </p:cNvSpPr>
+          <p:nvPr>
+            <p:ph type="subTitle" idx="1"/>
+          </p:nvPr>
+        </p:nvSpPr>
+        <p:spPr/>
+        <p:txBody>
+          <a:bodyPr/>
+          <a:lstStyle/>
+          <a:p>
             <a:r>
               <a:rPr lang="en-US" dirty="0" err="1" smtClean="0"/>
-              <a:t>vs</a:t>
-            </a:r>
-            <a:r>
-              <a:rPr lang="en-US" dirty="0" smtClean="0"/>
-              <a:t> </a:t>
-            </a:r>
-            <a:r>
-              <a:rPr lang="en-US" dirty="0" err="1" smtClean="0"/>
-              <a:t>Rems</a:t>
-            </a:r>
-            <a:endParaRPr lang="en-US" dirty="0"/>
-          </a:p>
-        </p:txBody>
-      </p:sp>
-      <p:sp>
-        <p:nvSpPr>
-          <p:cNvPr id="5" name="Text Placeholder 4"/>
-          <p:cNvSpPr>
-            <a:spLocks noGrp="1"/>
-          </p:cNvSpPr>
-          <p:nvPr>
-            <p:ph type="body" idx="1"/>
-          </p:nvPr>
-        </p:nvSpPr>
-        <p:spPr/>
-        <p:txBody>
-          <a:bodyPr/>
-          <a:lstStyle/>
-          <a:p>
-            <a:r>
-              <a:rPr lang="en-US" dirty="0" err="1" smtClean="0"/>
-              <a:t>em</a:t>
-            </a:r>
-            <a:endParaRPr lang="en-US" dirty="0"/>
-          </a:p>
-        </p:txBody>
-      </p:sp>
-      <p:sp>
-        <p:nvSpPr>
-          <p:cNvPr id="3" name="Content Placeholder 2"/>
-          <p:cNvSpPr>
-            <a:spLocks noGrp="1"/>
-          </p:cNvSpPr>
-          <p:nvPr>
-            <p:ph sz="half" idx="2"/>
-          </p:nvPr>
-        </p:nvSpPr>
-        <p:spPr/>
-        <p:txBody>
-          <a:bodyPr>
-            <a:normAutofit/>
-          </a:bodyPr>
-          <a:lstStyle/>
-          <a:p>
-            <a:r>
-              <a:rPr lang="en-US" dirty="0" smtClean="0"/>
-              <a:t>Sized based on the width of the letter “m” </a:t>
-            </a:r>
-          </a:p>
-          <a:p>
-            <a:r>
-              <a:rPr lang="en-US" dirty="0" smtClean="0"/>
-              <a:t>Same as percentages*</a:t>
-            </a:r>
-          </a:p>
-          <a:p>
-            <a:pPr lvl="1"/>
-            <a:r>
-              <a:rPr lang="en-US" dirty="0" smtClean="0"/>
-              <a:t>1em=100% font-size</a:t>
-            </a:r>
-          </a:p>
-          <a:p>
-            <a:pPr lvl="1"/>
-            <a:r>
-              <a:rPr lang="en-US" dirty="0">
-                <a:ea typeface="MS PGothic" pitchFamily="34" charset="-128"/>
-                <a:hlinkClick r:id="rId2"/>
-              </a:rPr>
-              <a:t>http://</a:t>
-            </a:r>
-            <a:r>
-              <a:rPr lang="en-US" dirty="0" smtClean="0">
-                <a:ea typeface="MS PGothic" pitchFamily="34" charset="-128"/>
-                <a:hlinkClick r:id="rId2"/>
-              </a:rPr>
-              <a:t>alistapart.com/articles/howtosizetextincss</a:t>
-            </a:r>
-            <a:endParaRPr lang="en-US" dirty="0" smtClean="0"/>
-          </a:p>
-          <a:p>
-            <a:r>
-              <a:rPr lang="en-US" dirty="0" smtClean="0"/>
-              <a:t>Based on parent</a:t>
-            </a:r>
-          </a:p>
-          <a:p>
-            <a:pPr lvl="1"/>
-            <a:r>
-              <a:rPr lang="en-US" dirty="0" smtClean="0"/>
-              <a:t>Parent{ font-size:16px;}</a:t>
-            </a:r>
-          </a:p>
-          <a:p>
-            <a:pPr lvl="1"/>
-            <a:r>
-              <a:rPr lang="en-US" dirty="0" smtClean="0"/>
-              <a:t>Child{font-size:2em;}</a:t>
-            </a:r>
-          </a:p>
-          <a:p>
-            <a:pPr lvl="1"/>
-            <a:r>
-              <a:rPr lang="en-US" dirty="0" smtClean="0"/>
-              <a:t>Child’s font size is 32px</a:t>
-            </a:r>
-          </a:p>
-          <a:p>
-            <a:pPr lvl="1"/>
-            <a:endParaRPr lang="en-US" dirty="0"/>
-          </a:p>
-        </p:txBody>
-      </p:sp>
-      <p:sp>
-        <p:nvSpPr>
-          <p:cNvPr id="6" name="Text Placeholder 5"/>
-          <p:cNvSpPr>
-            <a:spLocks noGrp="1"/>
-          </p:cNvSpPr>
-          <p:nvPr>
-            <p:ph type="body" sz="quarter" idx="3"/>
-          </p:nvPr>
-        </p:nvSpPr>
-        <p:spPr/>
-        <p:txBody>
-          <a:bodyPr/>
-          <a:lstStyle/>
-          <a:p>
-            <a:r>
-              <a:rPr lang="en-US" dirty="0" smtClean="0"/>
-              <a:t>rem</a:t>
-            </a:r>
-            <a:endParaRPr lang="en-US" dirty="0"/>
-          </a:p>
-        </p:txBody>
-      </p:sp>
-      <p:sp>
-        <p:nvSpPr>
-          <p:cNvPr id="7" name="Content Placeholder 6"/>
-          <p:cNvSpPr>
-            <a:spLocks noGrp="1"/>
-          </p:cNvSpPr>
-          <p:nvPr>
-            <p:ph sz="quarter" idx="4"/>
-          </p:nvPr>
-        </p:nvSpPr>
-        <p:spPr/>
-        <p:txBody>
-          <a:bodyPr/>
-          <a:lstStyle/>
-          <a:p>
-            <a:r>
-              <a:rPr lang="en-US" dirty="0" smtClean="0"/>
-              <a:t>“Root” </a:t>
-            </a:r>
-            <a:r>
-              <a:rPr lang="en-US" dirty="0" err="1" smtClean="0"/>
-              <a:t>em</a:t>
-            </a:r>
-            <a:endParaRPr lang="en-US" dirty="0" smtClean="0"/>
-          </a:p>
-          <a:p>
-            <a:r>
-              <a:rPr lang="en-US" dirty="0" smtClean="0"/>
-              <a:t>Same as </a:t>
-            </a:r>
-            <a:r>
-              <a:rPr lang="en-US" dirty="0" err="1" smtClean="0"/>
-              <a:t>em</a:t>
-            </a:r>
-            <a:endParaRPr lang="en-US" dirty="0" smtClean="0"/>
-          </a:p>
-          <a:p>
-            <a:r>
-              <a:rPr lang="en-US" dirty="0" smtClean="0"/>
-              <a:t>Caveat: Based on the font-size of html element</a:t>
-            </a:r>
-          </a:p>
-          <a:p>
-            <a:endParaRPr lang="en-US" dirty="0" smtClean="0"/>
-          </a:p>
-          <a:p>
-            <a:pPr marL="0" indent="0">
-              <a:buNone/>
-            </a:pPr>
-            <a:endParaRPr lang="en-US" dirty="0"/>
-          </a:p>
-          <a:p>
-            <a:endParaRPr lang="en-US" dirty="0"/>
-          </a:p>
-        </p:txBody>
-      </p:sp>
-      <p:sp>
-        <p:nvSpPr>
-          <p:cNvPr id="4" name="TextBox 3"/>
-          <p:cNvSpPr txBox="1"/>
-          <p:nvPr/>
-        </p:nvSpPr>
-        <p:spPr>
-          <a:xfrm>
-            <a:off x="1066800" y="6096000"/>
-            <a:ext cx="6553200" cy="369332"/>
-          </a:xfrm>
-          <a:prstGeom prst="rect">
-            <a:avLst/>
-          </a:prstGeom>
-          <a:noFill/>
-        </p:spPr>
-        <p:txBody>
-          <a:bodyPr wrap="square" rtlCol="0">
-            <a:spAutoFit/>
-          </a:bodyPr>
-          <a:lstStyle/>
-          <a:p>
-            <a:r>
-              <a:rPr lang="en-US" dirty="0" smtClean="0"/>
-              <a:t>*Some browsers have issues with fonts sized in </a:t>
-            </a:r>
-            <a:r>
-              <a:rPr lang="en-US" dirty="0" err="1" smtClean="0"/>
-              <a:t>percents</a:t>
+              <a:t>Ex_Boxing</a:t>
             </a:r>
             <a:endParaRPr lang="en-US" dirty="0"/>
           </a:p>
@@ -3826,7 +3858,7 @@
     </p:spTree>
     <p:extLst>
       <p:ext uri="{BB962C8B-B14F-4D97-AF65-F5344CB8AC3E}">
-        <p14:creationId xmlns:p14="http://schemas.microsoft.com/office/powerpoint/2010/main" val="3040933673"/>
+        <p14:creationId xmlns:p14="http://schemas.microsoft.com/office/powerpoint/2010/main" val="2777180608"/>
       </p:ext>
     </p:extLst>
   </p:cSld>
@@ -3855,22 +3887,34 @@
       </p:grpSpPr>
       <p:sp>
         <p:nvSpPr>
-          <p:cNvPr id="7" name="Title 6"/>
-          <p:cNvSpPr>
-            <a:spLocks noGrp="1"/>
-          </p:cNvSpPr>
-          <p:nvPr>
-            <p:ph type="ctrTitle"/>
-          </p:nvPr>
-        </p:nvSpPr>
-        <p:spPr/>
-        <p:txBody>
-          <a:bodyPr/>
-          <a:lstStyle/>
-          <a:p>
-            <a:r>
-              <a:rPr lang="en-US" dirty="0" smtClean="0"/>
-              <a:t>Exercise</a:t>
+          <p:cNvPr id="2" name="Title 1"/>
+          <p:cNvSpPr>
+            <a:spLocks noGrp="1"/>
+          </p:cNvSpPr>
+          <p:nvPr>
+            <p:ph type="title"/>
+          </p:nvPr>
+        </p:nvSpPr>
+        <p:spPr/>
+        <p:txBody>
+          <a:bodyPr/>
+          <a:lstStyle/>
+          <a:p>
+            <a:r>
+              <a:rPr lang="en-US" dirty="0" smtClean="0"/>
+              <a:t>Ems </a:t>
+            </a:r>
+            <a:r>
+              <a:rPr lang="en-US" dirty="0" err="1" smtClean="0"/>
+              <a:t>vs</a:t>
+            </a:r>
+            <a:r>
+              <a:rPr lang="en-US" dirty="0" smtClean="0"/>
+              <a:t> </a:t>
+            </a:r>
+            <a:r>
+              <a:rPr lang="en-US" dirty="0" err="1" smtClean="0"/>
+              <a:t>Rems</a:t>
             </a:r>
             <a:endParaRPr lang="en-US" dirty="0"/>
           </a:p>
@@ -3878,12 +3922,12 @@
       </p:sp>
       <p:sp>
         <p:nvSpPr>
-          <p:cNvPr id="8" name="Subtitle 7"/>
-          <p:cNvSpPr>
-            <a:spLocks noGrp="1"/>
-          </p:cNvSpPr>
-          <p:nvPr>
-            <p:ph type="subTitle" idx="1"/>
+          <p:cNvPr id="5" name="Text Placeholder 4"/>
+          <p:cNvSpPr>
+            <a:spLocks noGrp="1"/>
+          </p:cNvSpPr>
+          <p:nvPr>
+            <p:ph type="body" idx="1"/>
           </p:nvPr>
         </p:nvSpPr>
         <p:spPr/>
@@ -3893,7 +3937,206 @@
           <a:p>
             <a:r>
               <a:rPr lang="en-US" dirty="0" err="1" smtClean="0"/>
-              <a:t>Ex_Boxing</a:t>
+              <a:t>em</a:t>
+            </a:r>
+            <a:endParaRPr lang="en-US" dirty="0"/>
+          </a:p>
+        </p:txBody>
+      </p:sp>
+      <p:sp>
+        <p:nvSpPr>
+          <p:cNvPr id="3" name="Content Placeholder 2"/>
+          <p:cNvSpPr>
+            <a:spLocks noGrp="1"/>
+          </p:cNvSpPr>
+          <p:nvPr>
+            <p:ph sz="half" idx="2"/>
+          </p:nvPr>
+        </p:nvSpPr>
+        <p:spPr/>
+        <p:txBody>
+          <a:bodyPr>
+            <a:normAutofit/>
+          </a:bodyPr>
+          <a:lstStyle/>
+          <a:p>
+            <a:r>
+              <a:rPr lang="en-US" dirty="0" smtClean="0"/>
+              <a:t>Sized based on the width of the letter “m” </a:t>
+            </a:r>
+          </a:p>
+          <a:p>
+            <a:r>
+              <a:rPr lang="en-US" dirty="0" smtClean="0"/>
+              <a:t>Same as percentages*</a:t>
+            </a:r>
+          </a:p>
+          <a:p>
+            <a:pPr lvl="1"/>
+            <a:r>
+              <a:rPr lang="en-US" dirty="0" smtClean="0"/>
+              <a:t>1em=100% font-size</a:t>
+            </a:r>
+          </a:p>
+          <a:p>
+            <a:pPr lvl="1"/>
+            <a:r>
+              <a:rPr lang="en-US" dirty="0">
+                <a:ea typeface="MS PGothic" pitchFamily="34" charset="-128"/>
+                <a:hlinkClick r:id="rId2"/>
+              </a:rPr>
+              <a:t>http://</a:t>
+            </a:r>
+            <a:r>
+              <a:rPr lang="en-US" dirty="0" smtClean="0">
+                <a:ea typeface="MS PGothic" pitchFamily="34" charset="-128"/>
+                <a:hlinkClick r:id="rId2"/>
+              </a:rPr>
+              <a:t>alistapart.com/articles/howtosizetextincss</a:t>
+            </a:r>
+            <a:endParaRPr lang="en-US" dirty="0" smtClean="0"/>
+          </a:p>
+          <a:p>
+            <a:r>
+              <a:rPr lang="en-US" dirty="0" smtClean="0"/>
+              <a:t>Based on parent</a:t>
+            </a:r>
+          </a:p>
+          <a:p>
+            <a:pPr lvl="1"/>
+            <a:r>
+              <a:rPr lang="en-US" dirty="0" smtClean="0"/>
+              <a:t>Parent{ font-size:16px;}</a:t>
+            </a:r>
+          </a:p>
+          <a:p>
+            <a:pPr lvl="1"/>
+            <a:r>
+              <a:rPr lang="en-US" dirty="0" smtClean="0"/>
+              <a:t>Child{font-size:2em;}</a:t>
+            </a:r>
+          </a:p>
+          <a:p>
+            <a:pPr lvl="1"/>
+            <a:r>
+              <a:rPr lang="en-US" dirty="0" smtClean="0"/>
+              <a:t>Child’s font size is 32px</a:t>
+            </a:r>
+          </a:p>
+          <a:p>
+            <a:pPr lvl="1"/>
+            <a:endParaRPr lang="en-US" dirty="0"/>
+          </a:p>
+        </p:txBody>
+      </p:sp>
+      <p:sp>
+        <p:nvSpPr>
+          <p:cNvPr id="6" name="Text Placeholder 5"/>
+          <p:cNvSpPr>
+            <a:spLocks noGrp="1"/>
+          </p:cNvSpPr>
+          <p:nvPr>
+            <p:ph type="body" sz="quarter" idx="3"/>
+          </p:nvPr>
+        </p:nvSpPr>
+        <p:spPr/>
+        <p:txBody>
+          <a:bodyPr/>
+          <a:lstStyle/>
+          <a:p>
+            <a:r>
+              <a:rPr lang="en-US" dirty="0" smtClean="0"/>
+              <a:t>rem</a:t>
+            </a:r>
+            <a:endParaRPr lang="en-US" dirty="0"/>
+          </a:p>
+        </p:txBody>
+      </p:sp>
+      <p:sp>
+        <p:nvSpPr>
+          <p:cNvPr id="7" name="Content Placeholder 6"/>
+          <p:cNvSpPr>
+            <a:spLocks noGrp="1"/>
+          </p:cNvSpPr>
+          <p:nvPr>
+            <p:ph sz="quarter" idx="4"/>
+          </p:nvPr>
+        </p:nvSpPr>
+        <p:spPr/>
+        <p:txBody>
+          <a:bodyPr/>
+          <a:lstStyle/>
+          <a:p>
+            <a:r>
+              <a:rPr lang="en-US" dirty="0" smtClean="0"/>
+              <a:t>“Root” </a:t>
+            </a:r>
+            <a:r>
+              <a:rPr lang="en-US" dirty="0" err="1" smtClean="0"/>
+              <a:t>em</a:t>
+            </a:r>
+            <a:endParaRPr lang="en-US" dirty="0" smtClean="0"/>
+          </a:p>
+          <a:p>
+            <a:r>
+              <a:rPr lang="en-US" dirty="0" smtClean="0"/>
+              <a:t>Same as </a:t>
+            </a:r>
+            <a:r>
+              <a:rPr lang="en-US" dirty="0" err="1" smtClean="0"/>
+              <a:t>em</a:t>
+            </a:r>
+            <a:endParaRPr lang="en-US" dirty="0" smtClean="0"/>
+          </a:p>
+          <a:p>
+            <a:r>
+              <a:rPr lang="en-US" dirty="0" smtClean="0"/>
+              <a:t>Caveat: Based on the font-size of html element</a:t>
+            </a:r>
+          </a:p>
+          <a:p>
+            <a:endParaRPr lang="en-US" dirty="0" smtClean="0"/>
+          </a:p>
+          <a:p>
+            <a:pPr marL="0" indent="0">
+              <a:buNone/>
+            </a:pPr>
+            <a:endParaRPr lang="en-US" dirty="0"/>
+          </a:p>
+          <a:p>
+            <a:endParaRPr lang="en-US" dirty="0"/>
+          </a:p>
+        </p:txBody>
+      </p:sp>
+      <p:sp>
+        <p:nvSpPr>
+          <p:cNvPr id="4" name="TextBox 3"/>
+          <p:cNvSpPr txBox="1"/>
+          <p:nvPr/>
+        </p:nvSpPr>
+        <p:spPr>
+          <a:xfrm>
+            <a:off x="1066800" y="6096000"/>
+            <a:ext cx="6553200" cy="369332"/>
+          </a:xfrm>
+          <a:prstGeom prst="rect">
+            <a:avLst/>
+          </a:prstGeom>
+          <a:noFill/>
+        </p:spPr>
+        <p:txBody>
+          <a:bodyPr wrap="square" rtlCol="0">
+            <a:spAutoFit/>
+          </a:bodyPr>
+          <a:lstStyle/>
+          <a:p>
+            <a:r>
+              <a:rPr lang="en-US" dirty="0" smtClean="0"/>
+              <a:t>*Some browsers have issues with fonts sized in </a:t>
+            </a:r>
+            <a:r>
+              <a:rPr lang="en-US" dirty="0" err="1" smtClean="0"/>
+              <a:t>percents</a:t>
             </a:r>
             <a:endParaRPr lang="en-US" dirty="0"/>
           </a:p>
@@ -3902,7 +4145,7 @@
     </p:spTree>
     <p:extLst>
       <p:ext uri="{BB962C8B-B14F-4D97-AF65-F5344CB8AC3E}">
-        <p14:creationId xmlns:p14="http://schemas.microsoft.com/office/powerpoint/2010/main" val="2300458048"/>
+        <p14:creationId xmlns:p14="http://schemas.microsoft.com/office/powerpoint/2010/main" val="3040933673"/>
       </p:ext>
     </p:extLst>
   </p:cSld>
@@ -3931,22 +4174,22 @@
       </p:grpSpPr>
       <p:sp>
         <p:nvSpPr>
-          <p:cNvPr id="2" name="Title 1"/>
-          <p:cNvSpPr>
-            <a:spLocks noGrp="1"/>
-          </p:cNvSpPr>
-          <p:nvPr>
-            <p:ph type="title"/>
-          </p:nvPr>
-        </p:nvSpPr>
-        <p:spPr/>
-        <p:txBody>
-          <a:bodyPr/>
-          <a:lstStyle/>
-          <a:p>
-            <a:r>
-              <a:rPr lang="en-US" dirty="0" smtClean="0"/>
-              <a:t>Media Queries</a:t>
+          <p:cNvPr id="7" name="Title 6"/>
+          <p:cNvSpPr>
+            <a:spLocks noGrp="1"/>
+          </p:cNvSpPr>
+          <p:nvPr>
+            <p:ph type="ctrTitle"/>
+          </p:nvPr>
+        </p:nvSpPr>
+        <p:spPr/>
+        <p:txBody>
+          <a:bodyPr/>
+          <a:lstStyle/>
+          <a:p>
+            <a:r>
+              <a:rPr lang="en-US" dirty="0" smtClean="0"/>
+              <a:t>Exercise</a:t>
             </a:r>
             <a:endParaRPr lang="en-US" dirty="0"/>
           </a:p>
@@ -3954,237 +4197,23 @@
       </p:sp>
       <p:sp>
         <p:nvSpPr>
-          <p:cNvPr id="3" name="Content Placeholder 2"/>
-          <p:cNvSpPr>
-            <a:spLocks noGrp="1"/>
-          </p:cNvSpPr>
-          <p:nvPr>
-            <p:ph idx="1"/>
-          </p:nvPr>
-        </p:nvSpPr>
-        <p:spPr/>
-        <p:txBody>
-          <a:bodyPr>
-            <a:normAutofit fontScale="85000" lnSpcReduction="20000"/>
-          </a:bodyPr>
-          <a:lstStyle/>
-          <a:p>
-            <a:pPr marL="174625" indent="-174625">
-              <a:lnSpc>
-                <a:spcPct val="120000"/>
-              </a:lnSpc>
-              <a:spcBef>
-                <a:spcPts val="725"/>
-              </a:spcBef>
-              <a:buFont typeface="Lucida Grande" pitchFamily="-84" charset="0"/>
-              <a:buChar char="‣"/>
-            </a:pPr>
-            <a:r>
-              <a:rPr lang="en-US" dirty="0">
-                <a:ea typeface="MS PGothic" pitchFamily="34" charset="-128"/>
-              </a:rPr>
-              <a:t>@media only screen and</a:t>
-            </a:r>
-          </a:p>
-          <a:p>
-            <a:pPr marL="466725" lvl="1" indent="-174625">
-              <a:lnSpc>
-                <a:spcPct val="120000"/>
-              </a:lnSpc>
-              <a:spcBef>
-                <a:spcPts val="725"/>
-              </a:spcBef>
-            </a:pPr>
-            <a:r>
-              <a:rPr lang="en-US" dirty="0">
-                <a:ea typeface="MS PGothic" pitchFamily="34" charset="-128"/>
-              </a:rPr>
-              <a:t>(max-width: </a:t>
-            </a:r>
-            <a:r>
-              <a:rPr lang="en-US" dirty="0" err="1">
-                <a:ea typeface="MS PGothic" pitchFamily="34" charset="-128"/>
-              </a:rPr>
-              <a:t>xPx</a:t>
-            </a:r>
-            <a:r>
-              <a:rPr lang="en-US" dirty="0">
-                <a:ea typeface="MS PGothic" pitchFamily="34" charset="-128"/>
-              </a:rPr>
-              <a:t>)</a:t>
-            </a:r>
-          </a:p>
-          <a:p>
-            <a:pPr marL="466725" lvl="1" indent="-174625">
-              <a:lnSpc>
-                <a:spcPct val="120000"/>
-              </a:lnSpc>
-              <a:spcBef>
-                <a:spcPts val="725"/>
-              </a:spcBef>
-            </a:pPr>
-            <a:r>
-              <a:rPr lang="en-US" dirty="0">
-                <a:ea typeface="MS PGothic" pitchFamily="34" charset="-128"/>
-              </a:rPr>
-              <a:t>(min-width: </a:t>
-            </a:r>
-            <a:r>
-              <a:rPr lang="en-US" dirty="0" err="1">
-                <a:ea typeface="MS PGothic" pitchFamily="34" charset="-128"/>
-              </a:rPr>
-              <a:t>xPx</a:t>
-            </a:r>
-            <a:r>
-              <a:rPr lang="en-US" dirty="0">
-                <a:ea typeface="MS PGothic" pitchFamily="34" charset="-128"/>
-              </a:rPr>
-              <a:t>)</a:t>
-            </a:r>
-          </a:p>
-          <a:p>
-            <a:pPr marL="466725" lvl="1" indent="-174625">
-              <a:lnSpc>
-                <a:spcPct val="120000"/>
-              </a:lnSpc>
-              <a:spcBef>
-                <a:spcPts val="725"/>
-              </a:spcBef>
-            </a:pPr>
-            <a:r>
-              <a:rPr lang="en-US" dirty="0">
-                <a:ea typeface="MS PGothic" pitchFamily="34" charset="-128"/>
-              </a:rPr>
-              <a:t>(</a:t>
-            </a:r>
-            <a:r>
-              <a:rPr lang="en-US" dirty="0" err="1">
-                <a:ea typeface="MS PGothic" pitchFamily="34" charset="-128"/>
-              </a:rPr>
-              <a:t>max-device-width:xPx</a:t>
-            </a:r>
-            <a:r>
-              <a:rPr lang="en-US" dirty="0">
-                <a:ea typeface="MS PGothic" pitchFamily="34" charset="-128"/>
-              </a:rPr>
-              <a:t>)</a:t>
-            </a:r>
-          </a:p>
-          <a:p>
-            <a:pPr marL="466725" lvl="1" indent="-174625">
-              <a:lnSpc>
-                <a:spcPct val="120000"/>
-              </a:lnSpc>
-              <a:spcBef>
-                <a:spcPts val="725"/>
-              </a:spcBef>
-            </a:pPr>
-            <a:r>
-              <a:rPr lang="en-US" dirty="0">
-                <a:ea typeface="MS PGothic" pitchFamily="34" charset="-128"/>
-              </a:rPr>
-              <a:t>(</a:t>
-            </a:r>
-            <a:r>
-              <a:rPr lang="en-US" dirty="0" err="1">
-                <a:ea typeface="MS PGothic" pitchFamily="34" charset="-128"/>
-              </a:rPr>
-              <a:t>min-device-width:xPx</a:t>
-            </a:r>
-            <a:r>
-              <a:rPr lang="en-US" dirty="0">
-                <a:ea typeface="MS PGothic" pitchFamily="34" charset="-128"/>
-              </a:rPr>
-              <a:t>)</a:t>
-            </a:r>
-          </a:p>
-          <a:p>
-            <a:pPr marL="174625" indent="-174625">
-              <a:lnSpc>
-                <a:spcPct val="120000"/>
-              </a:lnSpc>
-              <a:spcBef>
-                <a:spcPts val="725"/>
-              </a:spcBef>
-              <a:buFont typeface="Lucida Grande" pitchFamily="-84" charset="0"/>
-              <a:buChar char="‣"/>
-            </a:pPr>
-            <a:r>
-              <a:rPr lang="en-US" dirty="0">
-                <a:ea typeface="MS PGothic" pitchFamily="34" charset="-128"/>
-              </a:rPr>
-              <a:t>For </a:t>
-            </a:r>
-            <a:r>
-              <a:rPr lang="en-US" dirty="0" err="1">
-                <a:ea typeface="MS PGothic" pitchFamily="34" charset="-128"/>
-              </a:rPr>
-              <a:t>iPad</a:t>
-            </a:r>
-            <a:endParaRPr lang="en-US" dirty="0">
-              <a:ea typeface="MS PGothic" pitchFamily="34" charset="-128"/>
-            </a:endParaRPr>
-          </a:p>
-          <a:p>
-            <a:pPr marL="466725" lvl="1" indent="-174625">
-              <a:lnSpc>
-                <a:spcPct val="120000"/>
-              </a:lnSpc>
-              <a:spcBef>
-                <a:spcPts val="725"/>
-              </a:spcBef>
-            </a:pPr>
-            <a:r>
-              <a:rPr lang="en-US" dirty="0">
-                <a:ea typeface="MS PGothic" pitchFamily="34" charset="-128"/>
-              </a:rPr>
-              <a:t>(orientation: portrait)</a:t>
-            </a:r>
-          </a:p>
-          <a:p>
-            <a:pPr marL="466725" lvl="1" indent="-174625">
-              <a:lnSpc>
-                <a:spcPct val="120000"/>
-              </a:lnSpc>
-              <a:spcBef>
-                <a:spcPts val="725"/>
-              </a:spcBef>
-            </a:pPr>
-            <a:r>
-              <a:rPr lang="en-US" dirty="0">
-                <a:ea typeface="MS PGothic" pitchFamily="34" charset="-128"/>
-              </a:rPr>
-              <a:t>(orientation: landscape)</a:t>
-            </a:r>
-          </a:p>
-          <a:p>
-            <a:pPr marL="174625" indent="-174625">
-              <a:lnSpc>
-                <a:spcPct val="120000"/>
-              </a:lnSpc>
-              <a:spcBef>
-                <a:spcPts val="725"/>
-              </a:spcBef>
-              <a:buFont typeface="Lucida Grande" pitchFamily="-84" charset="0"/>
-              <a:buChar char="‣"/>
-            </a:pPr>
-            <a:r>
-              <a:rPr lang="en-US" dirty="0">
-                <a:ea typeface="MS PGothic" pitchFamily="34" charset="-128"/>
-              </a:rPr>
-              <a:t>Separate multiple clauses with “and</a:t>
-            </a:r>
-            <a:r>
-              <a:rPr lang="en-US" dirty="0" smtClean="0">
-                <a:ea typeface="MS PGothic" pitchFamily="34" charset="-128"/>
-              </a:rPr>
-              <a:t>”</a:t>
-            </a:r>
-            <a:endParaRPr lang="en-US" dirty="0">
-              <a:ea typeface="MS PGothic" pitchFamily="34" charset="-128"/>
-            </a:endParaRPr>
-          </a:p>
-          <a:p>
+          <p:cNvPr id="8" name="Subtitle 7"/>
+          <p:cNvSpPr>
+            <a:spLocks noGrp="1"/>
+          </p:cNvSpPr>
+          <p:nvPr>
+            <p:ph type="subTitle" idx="1"/>
+          </p:nvPr>
+        </p:nvSpPr>
+        <p:spPr/>
+        <p:txBody>
+          <a:bodyPr/>
+          <a:lstStyle/>
+          <a:p>
+            <a:r>
+              <a:rPr lang="en-US" dirty="0" err="1" smtClean="0"/>
+              <a:t>Ex_Boxing</a:t>
+            </a:r>
             <a:endParaRPr lang="en-US" dirty="0"/>
           </a:p>
         </p:txBody>
@@ -4192,7 +4221,7 @@
     </p:spTree>
     <p:extLst>
       <p:ext uri="{BB962C8B-B14F-4D97-AF65-F5344CB8AC3E}">
-        <p14:creationId xmlns:p14="http://schemas.microsoft.com/office/powerpoint/2010/main" val="2341956"/>
+        <p14:creationId xmlns:p14="http://schemas.microsoft.com/office/powerpoint/2010/main" val="2300458048"/>
       </p:ext>
     </p:extLst>
   </p:cSld>
@@ -4236,7 +4265,7 @@
           <a:p>
             <a:r>
               <a:rPr lang="en-US" dirty="0" smtClean="0"/>
-              <a:t>For mobile display</a:t>
+              <a:t>Media Queries</a:t>
             </a:r>
             <a:endParaRPr lang="en-US" dirty="0"/>
           </a:p>
@@ -4255,64 +4284,25 @@
         <p:spPr/>
         <p:txBody>
           <a:bodyPr>
-            <a:normAutofit fontScale="92500" lnSpcReduction="10000"/>
+            <a:normAutofit fontScale="85000" lnSpcReduction="20000"/>
           </a:bodyPr>
           <a:lstStyle/>
           <a:p>
+            <a:pPr marL="174625" indent="-174625">
+              <a:lnSpc>
+                <a:spcPct val="120000"/>
+              </a:lnSpc>
+              <a:spcBef>
+                <a:spcPts val="725"/>
+              </a:spcBef>
+              <a:buFont typeface="Lucida Grande" pitchFamily="-84" charset="0"/>
+              <a:buChar char="‣"/>
+            </a:pPr>
             <a:r>
               <a:rPr lang="en-US" dirty="0">
                 <a:ea typeface="MS PGothic" pitchFamily="34" charset="-128"/>
               </a:rPr>
-              <a:t>&lt;meta name="viewport" content="width=device-width, initial-scale=1</a:t>
-            </a:r>
-            <a:r>
-              <a:rPr lang="en-US" dirty="0" smtClean="0">
-                <a:ea typeface="MS PGothic" pitchFamily="34" charset="-128"/>
-              </a:rPr>
-              <a:t>"&gt;</a:t>
-            </a:r>
-          </a:p>
-          <a:p>
-            <a:pPr lvl="1"/>
-            <a:r>
-              <a:rPr lang="en-US" dirty="0" smtClean="0">
-                <a:ea typeface="MS PGothic" pitchFamily="34" charset="-128"/>
-              </a:rPr>
-              <a:t>Optional: user-scalable=none</a:t>
-            </a:r>
-          </a:p>
-          <a:p>
-            <a:r>
-              <a:rPr lang="en-US" dirty="0" smtClean="0">
-                <a:ea typeface="MS PGothic" pitchFamily="34" charset="-128"/>
-              </a:rPr>
-              <a:t>Why necessary?</a:t>
-            </a:r>
-          </a:p>
-          <a:p>
-            <a:pPr lvl="1"/>
-            <a:r>
-              <a:rPr lang="en-US" dirty="0" smtClean="0">
-                <a:ea typeface="MS PGothic" pitchFamily="34" charset="-128"/>
-              </a:rPr>
-              <a:t>Mobile browser assumption of fixed layout of 980px</a:t>
-            </a:r>
-            <a:endParaRPr lang="en-US" dirty="0">
-              <a:ea typeface="MS PGothic" pitchFamily="34" charset="-128"/>
-            </a:endParaRPr>
-          </a:p>
-          <a:p>
-            <a:r>
-              <a:rPr lang="en-US" dirty="0" smtClean="0">
-                <a:ea typeface="MS PGothic" pitchFamily="34" charset="-128"/>
-              </a:rPr>
-              <a:t>Standard </a:t>
-            </a:r>
-            <a:r>
-              <a:rPr lang="en-US" dirty="0">
-                <a:ea typeface="MS PGothic" pitchFamily="34" charset="-128"/>
-              </a:rPr>
-              <a:t>media queries sizes</a:t>
+              <a:t>@media only screen and</a:t>
             </a:r>
           </a:p>
           <a:p>
@@ -4328,7 +4318,19 @@
               <a:rPr lang="en-US" dirty="0">
                 <a:ea typeface="MS PGothic" pitchFamily="34" charset="-128"/>
               </a:rPr>
-              <a:t>Small: up to 768px</a:t>
+              <a:t>(max-width: </a:t>
+            </a:r>
+            <a:r>
+              <a:rPr lang="en-US" dirty="0" err="1">
+                <a:ea typeface="MS PGothic" pitchFamily="34" charset="-128"/>
+              </a:rPr>
+              <a:t>xPx</a:t>
+            </a:r>
+            <a:r>
+              <a:rPr lang="en-US" dirty="0">
+                <a:ea typeface="MS PGothic" pitchFamily="34" charset="-128"/>
+              </a:rPr>
+              <a:t>)</a:t>
             </a:r>
           </a:p>
           <a:p>
@@ -4344,7 +4346,19 @@
               <a:rPr lang="en-US" dirty="0">
                 <a:ea typeface="MS PGothic" pitchFamily="34" charset="-128"/>
               </a:rPr>
-              <a:t>Medium: 768-991px</a:t>
+              <a:t>(min-width: </a:t>
+            </a:r>
+            <a:r>
+              <a:rPr lang="en-US" dirty="0" err="1">
+                <a:ea typeface="MS PGothic" pitchFamily="34" charset="-128"/>
+              </a:rPr>
+              <a:t>xPx</a:t>
+            </a:r>
+            <a:r>
+              <a:rPr lang="en-US" dirty="0">
+                <a:ea typeface="MS PGothic" pitchFamily="34" charset="-128"/>
+              </a:rPr>
+              <a:t>)</a:t>
             </a:r>
           </a:p>
           <a:p>
@@ -4360,24 +4374,144 @@
               <a:rPr lang="en-US" dirty="0">
                 <a:ea typeface="MS PGothic" pitchFamily="34" charset="-128"/>
               </a:rPr>
-              <a:t>Large: 992px</a:t>
+              <a:t>(</a:t>
+            </a:r>
+            <a:r>
+              <a:rPr lang="en-US" dirty="0" err="1">
+                <a:ea typeface="MS PGothic" pitchFamily="34" charset="-128"/>
+              </a:rPr>
+              <a:t>max-device-width:xPx</a:t>
+            </a:r>
+            <a:r>
+              <a:rPr lang="en-US" dirty="0">
+                <a:ea typeface="MS PGothic" pitchFamily="34" charset="-128"/>
+              </a:rPr>
+              <a:t>)</a:t>
+            </a:r>
+          </a:p>
+          <a:p>
+            <a:pPr marL="466725" lvl="1" indent="-174625">
+              <a:lnSpc>
+                <a:spcPct val="120000"/>
+              </a:lnSpc>
+              <a:spcBef>
+                <a:spcPts val="725"/>
+              </a:spcBef>
+            </a:pPr>
+            <a:r>
+              <a:rPr lang="en-US" dirty="0">
+                <a:ea typeface="MS PGothic" pitchFamily="34" charset="-128"/>
+              </a:rPr>
+              <a:t>(</a:t>
+            </a:r>
+            <a:r>
+              <a:rPr lang="en-US" dirty="0" err="1">
+                <a:ea typeface="MS PGothic" pitchFamily="34" charset="-128"/>
+              </a:rPr>
+              <a:t>min-device-width:xPx</a:t>
+            </a:r>
+            <a:r>
+              <a:rPr lang="en-US" dirty="0">
+                <a:ea typeface="MS PGothic" pitchFamily="34" charset="-128"/>
+              </a:rPr>
+              <a:t>)</a:t>
+            </a:r>
+          </a:p>
+          <a:p>
+            <a:pPr marL="174625" indent="-174625">
+              <a:lnSpc>
+                <a:spcPct val="120000"/>
+              </a:lnSpc>
+              <a:spcBef>
+                <a:spcPts val="725"/>
+              </a:spcBef>
+              <a:buFont typeface="Lucida Grande" pitchFamily="-84" charset="0"/>
+              <a:buChar char="‣"/>
+            </a:pPr>
+            <a:r>
+              <a:rPr lang="en-US" dirty="0">
+                <a:ea typeface="MS PGothic" pitchFamily="34" charset="-128"/>
+              </a:rPr>
+              <a:t>For </a:t>
+            </a:r>
+            <a:r>
+              <a:rPr lang="en-US" dirty="0" err="1">
+                <a:ea typeface="MS PGothic" pitchFamily="34" charset="-128"/>
+              </a:rPr>
+              <a:t>iPad</a:t>
+            </a:r>
+            <a:endParaRPr lang="en-US" dirty="0">
+              <a:ea typeface="MS PGothic" pitchFamily="34" charset="-128"/>
+            </a:endParaRPr>
+          </a:p>
+          <a:p>
+            <a:pPr marL="466725" lvl="1" indent="-174625">
+              <a:lnSpc>
+                <a:spcPct val="120000"/>
+              </a:lnSpc>
+              <a:spcBef>
+                <a:spcPts val="725"/>
+              </a:spcBef>
+            </a:pPr>
+            <a:r>
+              <a:rPr lang="en-US" dirty="0">
+                <a:ea typeface="MS PGothic" pitchFamily="34" charset="-128"/>
+              </a:rPr>
+              <a:t>(orientation: portrait)</a:t>
+            </a:r>
+          </a:p>
+          <a:p>
+            <a:pPr marL="466725" lvl="1" indent="-174625">
+              <a:lnSpc>
+                <a:spcPct val="120000"/>
+              </a:lnSpc>
+              <a:spcBef>
+                <a:spcPts val="725"/>
+              </a:spcBef>
+            </a:pPr>
+            <a:r>
+              <a:rPr lang="en-US" dirty="0">
+                <a:ea typeface="MS PGothic" pitchFamily="34" charset="-128"/>
+              </a:rPr>
+              <a:t>(orientation: landscape)</a:t>
+            </a:r>
+          </a:p>
+          <a:p>
+            <a:pPr marL="174625" indent="-174625">
+              <a:lnSpc>
+                <a:spcPct val="120000"/>
+              </a:lnSpc>
+              <a:spcBef>
+                <a:spcPts val="725"/>
+              </a:spcBef>
+              <a:buFont typeface="Lucida Grande" pitchFamily="-84" charset="0"/>
+              <a:buChar char="‣"/>
+            </a:pPr>
+            <a:r>
+              <a:rPr lang="en-US" dirty="0">
+                <a:ea typeface="MS PGothic" pitchFamily="34" charset="-128"/>
+              </a:rPr>
+              <a:t>Separate multiple clauses with “and</a:t>
             </a:r>
             <a:r>
               <a:rPr lang="en-US" dirty="0" smtClean="0">
                 <a:ea typeface="MS PGothic" pitchFamily="34" charset="-128"/>
               </a:rPr>
-              <a:t>+</a:t>
+              <a:t>”</a:t>
             </a:r>
             <a:endParaRPr lang="en-US" dirty="0">
               <a:ea typeface="MS PGothic" pitchFamily="34" charset="-128"/>
             </a:endParaRPr>
           </a:p>
+          <a:p>
+            <a:endParaRPr lang="en-US" dirty="0"/>
+          </a:p>
         </p:txBody>
       </p:sp>
     </p:spTree>
     <p:extLst>
       <p:ext uri="{BB962C8B-B14F-4D97-AF65-F5344CB8AC3E}">
-        <p14:creationId xmlns:p14="http://schemas.microsoft.com/office/powerpoint/2010/main" val="3862231225"/>
+        <p14:creationId xmlns:p14="http://schemas.microsoft.com/office/powerpoint/2010/main" val="2341956"/>
       </p:ext>
     </p:extLst>
   </p:cSld>
@@ -4421,7 +4555,7 @@
           <a:p>
             <a:r>
               <a:rPr lang="en-US" dirty="0" smtClean="0"/>
-              <a:t>Usage</a:t>
+              <a:t>For mobile display</a:t>
             </a:r>
             <a:endParaRPr lang="en-US" dirty="0"/>
           </a:p>
@@ -4440,179 +4574,129 @@
         <p:spPr/>
         <p:txBody>
           <a:bodyPr>
-            <a:normAutofit fontScale="62500" lnSpcReduction="20000"/>
+            <a:normAutofit fontScale="92500" lnSpcReduction="10000"/>
           </a:bodyPr>
           <a:lstStyle/>
           <a:p>
-            <a:pPr marL="0" indent="0">
-              <a:buNone/>
+            <a:r>
+              <a:rPr lang="en-US" dirty="0">
+                <a:ea typeface="MS PGothic" pitchFamily="34" charset="-128"/>
+              </a:rPr>
+              <a:t>&lt;meta name="viewport" content="width=device-width, initial-scale=1</a:t>
+            </a:r>
+            <a:r>
+              <a:rPr lang="en-US" dirty="0" smtClean="0">
+                <a:ea typeface="MS PGothic" pitchFamily="34" charset="-128"/>
+              </a:rPr>
+              <a:t>"&gt;</a:t>
+            </a:r>
+          </a:p>
+          <a:p>
+            <a:pPr lvl="1"/>
+            <a:r>
+              <a:rPr lang="en-US" dirty="0" smtClean="0">
+                <a:ea typeface="MS PGothic" pitchFamily="34" charset="-128"/>
+              </a:rPr>
+              <a:t>Optional: user-scalable=none</a:t>
+            </a:r>
+          </a:p>
+          <a:p>
+            <a:r>
+              <a:rPr lang="en-US" dirty="0" smtClean="0">
+                <a:ea typeface="MS PGothic" pitchFamily="34" charset="-128"/>
+              </a:rPr>
+              <a:t>Why necessary?</a:t>
+            </a:r>
+          </a:p>
+          <a:p>
+            <a:pPr lvl="1"/>
+            <a:r>
+              <a:rPr lang="en-US" dirty="0" smtClean="0">
+                <a:ea typeface="MS PGothic" pitchFamily="34" charset="-128"/>
+              </a:rPr>
+              <a:t>Mobile browser assumption of fixed layout of 980px</a:t>
+            </a:r>
+            <a:endParaRPr lang="en-US" dirty="0">
+              <a:ea typeface="MS PGothic" pitchFamily="34" charset="-128"/>
+            </a:endParaRPr>
+          </a:p>
+          <a:p>
+            <a:r>
+              <a:rPr lang="en-US" dirty="0" smtClean="0">
+                <a:ea typeface="MS PGothic" pitchFamily="34" charset="-128"/>
+              </a:rPr>
+              <a:t>Standard </a:t>
+            </a:r>
+            <a:r>
+              <a:rPr lang="en-US" dirty="0">
+                <a:ea typeface="MS PGothic" pitchFamily="34" charset="-128"/>
+              </a:rPr>
+              <a:t>media queries sizes</a:t>
+            </a:r>
+          </a:p>
+          <a:p>
+            <a:pPr marL="466725" lvl="1" indent="-174625">
+              <a:lnSpc>
+                <a:spcPct val="120000"/>
+              </a:lnSpc>
+              <a:spcBef>
+                <a:spcPts val="725"/>
+              </a:spcBef>
             </a:pPr>
             <a:r>
-              <a:rPr lang="en-US" dirty="0" smtClean="0"/>
-              <a:t>/*float boxes into columns*/</a:t>
-            </a:r>
-          </a:p>
-          <a:p>
-            <a:pPr marL="0" indent="0">
-              <a:buNone/>
+              <a:rPr lang="en-US" dirty="0">
+                <a:ea typeface="MS PGothic" pitchFamily="34" charset="-128"/>
+              </a:rPr>
+              <a:t>Small: up to 768px</a:t>
+            </a:r>
+          </a:p>
+          <a:p>
+            <a:pPr marL="466725" lvl="1" indent="-174625">
+              <a:lnSpc>
+                <a:spcPct val="120000"/>
+              </a:lnSpc>
+              <a:spcBef>
+                <a:spcPts val="725"/>
+              </a:spcBef>
             </a:pPr>
             <a:r>
-              <a:rPr lang="en-US" dirty="0" smtClean="0"/>
-              <a:t>.box{</a:t>
-            </a:r>
-          </a:p>
-          <a:p>
-            <a:pPr marL="0" indent="0">
-              <a:buNone/>
+              <a:rPr lang="en-US" dirty="0">
+                <a:ea typeface="MS PGothic" pitchFamily="34" charset="-128"/>
+              </a:rPr>
+              <a:t>Medium: 768-991px</a:t>
+            </a:r>
+          </a:p>
+          <a:p>
+            <a:pPr marL="466725" lvl="1" indent="-174625">
+              <a:lnSpc>
+                <a:spcPct val="120000"/>
+              </a:lnSpc>
+              <a:spcBef>
+                <a:spcPts val="725"/>
+              </a:spcBef>
             </a:pPr>
             <a:r>
-              <a:rPr lang="en-US" dirty="0"/>
-              <a:t>	</a:t>
-            </a:r>
-            <a:r>
-              <a:rPr lang="en-US" dirty="0" err="1" smtClean="0"/>
-              <a:t>float:left</a:t>
-            </a:r>
-            <a:r>
-              <a:rPr lang="en-US" dirty="0" smtClean="0"/>
-              <a:t>;</a:t>
-            </a:r>
-          </a:p>
-          <a:p>
-            <a:pPr marL="0" indent="0">
-              <a:buNone/>
-            </a:pPr>
-            <a:r>
-              <a:rPr lang="en-US" dirty="0" smtClean="0"/>
-              <a:t>}</a:t>
-            </a:r>
-          </a:p>
-          <a:p>
-            <a:pPr marL="0" indent="0">
-              <a:buNone/>
-            </a:pPr>
-            <a:r>
-              <a:rPr lang="en-US" dirty="0" smtClean="0"/>
-              <a:t>@media only screen and (max-width:768px){</a:t>
-            </a:r>
-          </a:p>
-          <a:p>
-            <a:pPr marL="0" indent="0">
-              <a:buNone/>
-            </a:pPr>
-            <a:r>
-              <a:rPr lang="en-US" dirty="0" smtClean="0"/>
-              <a:t>	/*insert responsive </a:t>
-            </a:r>
-            <a:r>
-              <a:rPr lang="en-US" dirty="0" err="1" smtClean="0"/>
-              <a:t>css</a:t>
-            </a:r>
-            <a:r>
-              <a:rPr lang="en-US" dirty="0" smtClean="0"/>
-              <a:t> here</a:t>
-            </a:r>
-          </a:p>
-          <a:p>
-            <a:pPr marL="0" indent="0">
-              <a:buNone/>
-            </a:pPr>
-            <a:r>
-              <a:rPr lang="en-US" dirty="0" smtClean="0"/>
-              <a:t>	ex: stack floated boxes</a:t>
-            </a:r>
-            <a:endParaRPr lang="en-US" dirty="0"/>
-          </a:p>
-          <a:p>
-            <a:pPr marL="0" indent="0">
-              <a:buNone/>
-            </a:pPr>
-            <a:r>
-              <a:rPr lang="en-US" dirty="0" smtClean="0"/>
-              <a:t>	*/</a:t>
-            </a:r>
-            <a:endParaRPr lang="en-US" dirty="0"/>
-          </a:p>
-          <a:p>
-            <a:pPr marL="0" indent="0">
-              <a:buNone/>
-            </a:pPr>
-            <a:r>
-              <a:rPr lang="en-US" dirty="0" smtClean="0"/>
-              <a:t>	.box{</a:t>
-            </a:r>
-          </a:p>
-          <a:p>
-            <a:pPr marL="0" indent="0">
-              <a:buNone/>
-            </a:pPr>
-            <a:r>
-              <a:rPr lang="en-US" dirty="0"/>
-              <a:t>	</a:t>
-            </a:r>
-            <a:r>
-              <a:rPr lang="en-US" dirty="0" smtClean="0"/>
-              <a:t>	</a:t>
-            </a:r>
-            <a:r>
-              <a:rPr lang="en-US" dirty="0" err="1" smtClean="0"/>
-              <a:t>float:none</a:t>
-            </a:r>
-            <a:r>
-              <a:rPr lang="en-US" dirty="0" smtClean="0"/>
-              <a:t>;</a:t>
-            </a:r>
-            <a:endParaRPr lang="en-US" dirty="0"/>
-          </a:p>
-          <a:p>
-            <a:pPr marL="0" indent="0">
-              <a:buNone/>
-            </a:pPr>
-            <a:r>
-              <a:rPr lang="en-US" dirty="0" smtClean="0"/>
-              <a:t>	}</a:t>
-            </a:r>
-            <a:endParaRPr lang="en-US" dirty="0"/>
-          </a:p>
-          <a:p>
-            <a:pPr marL="0" indent="0">
-              <a:buNone/>
-            </a:pPr>
-            <a:r>
-              <a:rPr lang="en-US" dirty="0" smtClean="0"/>
-              <a:t>} </a:t>
-            </a:r>
-          </a:p>
-          <a:p>
-            <a:pPr marL="0" indent="0">
-              <a:buNone/>
-            </a:pPr>
-            <a:endParaRPr lang="en-US" dirty="0" smtClean="0"/>
-          </a:p>
-          <a:p>
-            <a:pPr marL="0" indent="0">
-              <a:buNone/>
-            </a:pPr>
-            <a:r>
-              <a:rPr lang="en-US" b="1" dirty="0" smtClean="0"/>
-              <a:t>If I put the media query before .box{</a:t>
-            </a:r>
-            <a:r>
-              <a:rPr lang="en-US" b="1" dirty="0" err="1" smtClean="0"/>
-              <a:t>float:left</a:t>
-            </a:r>
-            <a:r>
-              <a:rPr lang="en-US" b="1" dirty="0" smtClean="0"/>
-              <a:t>;} will this work as expected?</a:t>
-            </a:r>
-            <a:endParaRPr lang="en-US" b="1" dirty="0"/>
+              <a:rPr lang="en-US" dirty="0">
+                <a:ea typeface="MS PGothic" pitchFamily="34" charset="-128"/>
+              </a:rPr>
+              <a:t>Large: 992px</a:t>
+            </a:r>
+            <a:r>
+              <a:rPr lang="en-US" dirty="0" smtClean="0">
+                <a:ea typeface="MS PGothic" pitchFamily="34" charset="-128"/>
+              </a:rPr>
+              <a:t>+</a:t>
+            </a:r>
+            <a:endParaRPr lang="en-US" dirty="0">
+              <a:ea typeface="MS PGothic" pitchFamily="34" charset="-128"/>
+            </a:endParaRPr>
           </a:p>
         </p:txBody>
       </p:sp>
     </p:spTree>
     <p:extLst>
       <p:ext uri="{BB962C8B-B14F-4D97-AF65-F5344CB8AC3E}">
-        <p14:creationId xmlns:p14="http://schemas.microsoft.com/office/powerpoint/2010/main" val="121124277"/>
+        <p14:creationId xmlns:p14="http://schemas.microsoft.com/office/powerpoint/2010/main" val="3862231225"/>
       </p:ext>
     </p:extLst>
   </p:cSld>
@@ -4641,22 +4725,22 @@
       </p:grpSpPr>
       <p:sp>
         <p:nvSpPr>
-          <p:cNvPr id="4" name="Title 3"/>
-          <p:cNvSpPr>
-            <a:spLocks noGrp="1"/>
-          </p:cNvSpPr>
-          <p:nvPr>
-            <p:ph type="ctrTitle"/>
-          </p:nvPr>
-        </p:nvSpPr>
-        <p:spPr/>
-        <p:txBody>
-          <a:bodyPr/>
-          <a:lstStyle/>
-          <a:p>
-            <a:r>
-              <a:rPr lang="en-US" dirty="0" smtClean="0"/>
-              <a:t>Exercise</a:t>
+          <p:cNvPr id="2" name="Title 1"/>
+          <p:cNvSpPr>
+            <a:spLocks noGrp="1"/>
+          </p:cNvSpPr>
+          <p:nvPr>
+            <p:ph type="title"/>
+          </p:nvPr>
+        </p:nvSpPr>
+        <p:spPr/>
+        <p:txBody>
+          <a:bodyPr/>
+          <a:lstStyle/>
+          <a:p>
+            <a:r>
+              <a:rPr lang="en-US" dirty="0" smtClean="0"/>
+              <a:t>Usage</a:t>
             </a:r>
             <a:endParaRPr lang="en-US" dirty="0"/>
           </a:p>
@@ -4664,39 +4748,190 @@
       </p:sp>
       <p:sp>
         <p:nvSpPr>
-          <p:cNvPr id="5" name="Subtitle 4"/>
-          <p:cNvSpPr>
-            <a:spLocks noGrp="1"/>
-          </p:cNvSpPr>
-          <p:nvPr>
-            <p:ph type="subTitle" idx="1"/>
-          </p:nvPr>
-        </p:nvSpPr>
-        <p:spPr/>
-        <p:txBody>
-          <a:bodyPr/>
-          <a:lstStyle/>
-          <a:p>
+          <p:cNvPr id="3" name="Content Placeholder 2"/>
+          <p:cNvSpPr>
+            <a:spLocks noGrp="1"/>
+          </p:cNvSpPr>
+          <p:nvPr>
+            <p:ph idx="1"/>
+          </p:nvPr>
+        </p:nvSpPr>
+        <p:spPr/>
+        <p:txBody>
+          <a:bodyPr>
+            <a:normAutofit fontScale="62500" lnSpcReduction="20000"/>
+          </a:bodyPr>
+          <a:lstStyle/>
+          <a:p>
+            <a:pPr marL="0" indent="0">
+              <a:buNone/>
+            </a:pPr>
+            <a:r>
+              <a:rPr lang="en-US" dirty="0" smtClean="0"/>
+              <a:t>/*float boxes into columns*/</a:t>
+            </a:r>
+          </a:p>
+          <a:p>
+            <a:pPr marL="0" indent="0">
+              <a:buNone/>
+            </a:pPr>
+            <a:r>
+              <a:rPr lang="en-US" dirty="0" smtClean="0"/>
+              <a:t>.box{</a:t>
+            </a:r>
+          </a:p>
+          <a:p>
+            <a:pPr marL="0" indent="0">
+              <a:buNone/>
+            </a:pPr>
+            <a:r>
+              <a:rPr lang="en-US" dirty="0"/>
+              <a:t>	</a:t>
+            </a:r>
             <a:r>
               <a:rPr lang="en-US" dirty="0" err="1" smtClean="0"/>
-              <a:t>Ex_Boxing</a:t>
-            </a:r>
-            <a:r>
-              <a:rPr lang="en-US" dirty="0" smtClean="0"/>
-              <a:t> </a:t>
-            </a:r>
-            <a:r>
-              <a:rPr lang="en-US" smtClean="0"/>
-              <a:t>Media Queries</a:t>
+              <a:t>float:left</a:t>
+            </a:r>
+            <a:r>
+              <a:rPr lang="en-US" dirty="0" smtClean="0"/>
+              <a:t>;</a:t>
+            </a:r>
+          </a:p>
+          <a:p>
+            <a:pPr marL="0" indent="0">
+              <a:buNone/>
+            </a:pPr>
+            <a:r>
+              <a:rPr lang="en-US" dirty="0" smtClean="0"/>
+              <a:t>}</a:t>
+            </a:r>
+          </a:p>
+          <a:p>
+            <a:pPr marL="0" indent="0">
+              <a:buNone/>
+            </a:pPr>
+            <a:r>
+              <a:rPr lang="en-US" dirty="0" smtClean="0"/>
+              <a:t>@media only screen and (max-width:768px){</a:t>
+            </a:r>
+          </a:p>
+          <a:p>
+            <a:pPr marL="0" indent="0">
+              <a:buNone/>
+            </a:pPr>
+            <a:r>
+              <a:rPr lang="en-US" dirty="0" smtClean="0"/>
+              <a:t>	/*insert responsive </a:t>
+            </a:r>
+            <a:r>
+              <a:rPr lang="en-US" dirty="0" err="1" smtClean="0"/>
+              <a:t>css</a:t>
+            </a:r>
+            <a:r>
+              <a:rPr lang="en-US" dirty="0" smtClean="0"/>
+              <a:t> here</a:t>
+            </a:r>
+          </a:p>
+          <a:p>
+            <a:pPr marL="0" indent="0">
+              <a:buNone/>
+            </a:pPr>
+            <a:r>
+              <a:rPr lang="en-US" dirty="0" smtClean="0"/>
+              <a:t>	ex: stack floated boxes</a:t>
             </a:r>
             <a:endParaRPr lang="en-US" dirty="0"/>
+          </a:p>
+          <a:p>
+            <a:pPr marL="0" indent="0">
+              <a:buNone/>
+            </a:pPr>
+            <a:r>
+              <a:rPr lang="en-US" dirty="0" smtClean="0"/>
+              <a:t>	*/</a:t>
+            </a:r>
+            <a:endParaRPr lang="en-US" dirty="0"/>
+          </a:p>
+          <a:p>
+            <a:pPr marL="0" indent="0">
+              <a:buNone/>
+            </a:pPr>
+            <a:r>
+              <a:rPr lang="en-US" dirty="0" smtClean="0"/>
+              <a:t>	.box{</a:t>
+            </a:r>
+          </a:p>
+          <a:p>
+            <a:pPr marL="0" indent="0">
+              <a:buNone/>
+            </a:pPr>
+            <a:r>
+              <a:rPr lang="en-US" dirty="0"/>
+              <a:t>	</a:t>
+            </a:r>
+            <a:r>
+              <a:rPr lang="en-US" dirty="0" smtClean="0"/>
+              <a:t>	</a:t>
+            </a:r>
+            <a:r>
+              <a:rPr lang="en-US" dirty="0" err="1" smtClean="0"/>
+              <a:t>float:none</a:t>
+            </a:r>
+            <a:r>
+              <a:rPr lang="en-US" dirty="0" smtClean="0"/>
+              <a:t>;</a:t>
+            </a:r>
+            <a:endParaRPr lang="en-US" dirty="0"/>
+          </a:p>
+          <a:p>
+            <a:pPr marL="0" indent="0">
+              <a:buNone/>
+            </a:pPr>
+            <a:r>
+              <a:rPr lang="en-US" dirty="0" smtClean="0"/>
+              <a:t>	}</a:t>
+            </a:r>
+            <a:endParaRPr lang="en-US" dirty="0"/>
+          </a:p>
+          <a:p>
+            <a:pPr marL="0" indent="0">
+              <a:buNone/>
+            </a:pPr>
+            <a:r>
+              <a:rPr lang="en-US" dirty="0" smtClean="0"/>
+              <a:t>} </a:t>
+            </a:r>
+          </a:p>
+          <a:p>
+            <a:pPr marL="0" indent="0">
+              <a:buNone/>
+            </a:pPr>
+            <a:endParaRPr lang="en-US" dirty="0" smtClean="0"/>
+          </a:p>
+          <a:p>
+            <a:pPr marL="0" indent="0">
+              <a:buNone/>
+            </a:pPr>
+            <a:r>
+              <a:rPr lang="en-US" b="1" dirty="0" smtClean="0"/>
+              <a:t>If I put the media query before .box{</a:t>
+            </a:r>
+            <a:r>
+              <a:rPr lang="en-US" b="1" dirty="0" err="1" smtClean="0"/>
+              <a:t>float:left</a:t>
+            </a:r>
+            <a:r>
+              <a:rPr lang="en-US" b="1" dirty="0" smtClean="0"/>
+              <a:t>;} will this work as expected?</a:t>
+            </a:r>
+            <a:endParaRPr lang="en-US" b="1" dirty="0"/>
           </a:p>
         </p:txBody>
       </p:sp>
     </p:spTree>
     <p:extLst>
       <p:ext uri="{BB962C8B-B14F-4D97-AF65-F5344CB8AC3E}">
-        <p14:creationId xmlns:p14="http://schemas.microsoft.com/office/powerpoint/2010/main" val="1359094194"/>
+        <p14:creationId xmlns:p14="http://schemas.microsoft.com/office/powerpoint/2010/main" val="121124277"/>
       </p:ext>
     </p:extLst>
   </p:cSld>
